--- a/4. 메뉴 흐름도/FAQ_Chat_메뉴흐름도.pptx
+++ b/4. 메뉴 흐름도/FAQ_Chat_메뉴흐름도.pptx
@@ -7,6 +7,7 @@
   <p:sldIdLst>
     <p:sldId id="257" r:id="rId2"/>
     <p:sldId id="258" r:id="rId3"/>
+    <p:sldId id="259" r:id="rId4"/>
   </p:sldIdLst>
   <p:sldSz cx="12192000" cy="6858000"/>
   <p:notesSz cx="6858000" cy="9144000"/>
@@ -260,7 +261,7 @@
           <a:p>
             <a:fld id="{A2339E7D-B632-4A32-9D1C-D9FF9481F582}" type="datetimeFigureOut">
               <a:rPr lang="ko-KR" altLang="en-US" smtClean="0"/>
-              <a:t>2024-09-04</a:t>
+              <a:t>2024-09-26</a:t>
             </a:fld>
             <a:endParaRPr lang="ko-KR" altLang="en-US"/>
           </a:p>
@@ -458,7 +459,7 @@
           <a:p>
             <a:fld id="{A2339E7D-B632-4A32-9D1C-D9FF9481F582}" type="datetimeFigureOut">
               <a:rPr lang="ko-KR" altLang="en-US" smtClean="0"/>
-              <a:t>2024-09-04</a:t>
+              <a:t>2024-09-26</a:t>
             </a:fld>
             <a:endParaRPr lang="ko-KR" altLang="en-US"/>
           </a:p>
@@ -666,7 +667,7 @@
           <a:p>
             <a:fld id="{A2339E7D-B632-4A32-9D1C-D9FF9481F582}" type="datetimeFigureOut">
               <a:rPr lang="ko-KR" altLang="en-US" smtClean="0"/>
-              <a:t>2024-09-04</a:t>
+              <a:t>2024-09-26</a:t>
             </a:fld>
             <a:endParaRPr lang="ko-KR" altLang="en-US"/>
           </a:p>
@@ -864,7 +865,7 @@
           <a:p>
             <a:fld id="{A2339E7D-B632-4A32-9D1C-D9FF9481F582}" type="datetimeFigureOut">
               <a:rPr lang="ko-KR" altLang="en-US" smtClean="0"/>
-              <a:t>2024-09-04</a:t>
+              <a:t>2024-09-26</a:t>
             </a:fld>
             <a:endParaRPr lang="ko-KR" altLang="en-US"/>
           </a:p>
@@ -1139,7 +1140,7 @@
           <a:p>
             <a:fld id="{A2339E7D-B632-4A32-9D1C-D9FF9481F582}" type="datetimeFigureOut">
               <a:rPr lang="ko-KR" altLang="en-US" smtClean="0"/>
-              <a:t>2024-09-04</a:t>
+              <a:t>2024-09-26</a:t>
             </a:fld>
             <a:endParaRPr lang="ko-KR" altLang="en-US"/>
           </a:p>
@@ -1404,7 +1405,7 @@
           <a:p>
             <a:fld id="{A2339E7D-B632-4A32-9D1C-D9FF9481F582}" type="datetimeFigureOut">
               <a:rPr lang="ko-KR" altLang="en-US" smtClean="0"/>
-              <a:t>2024-09-04</a:t>
+              <a:t>2024-09-26</a:t>
             </a:fld>
             <a:endParaRPr lang="ko-KR" altLang="en-US"/>
           </a:p>
@@ -1816,7 +1817,7 @@
           <a:p>
             <a:fld id="{A2339E7D-B632-4A32-9D1C-D9FF9481F582}" type="datetimeFigureOut">
               <a:rPr lang="ko-KR" altLang="en-US" smtClean="0"/>
-              <a:t>2024-09-04</a:t>
+              <a:t>2024-09-26</a:t>
             </a:fld>
             <a:endParaRPr lang="ko-KR" altLang="en-US"/>
           </a:p>
@@ -1957,7 +1958,7 @@
           <a:p>
             <a:fld id="{A2339E7D-B632-4A32-9D1C-D9FF9481F582}" type="datetimeFigureOut">
               <a:rPr lang="ko-KR" altLang="en-US" smtClean="0"/>
-              <a:t>2024-09-04</a:t>
+              <a:t>2024-09-26</a:t>
             </a:fld>
             <a:endParaRPr lang="ko-KR" altLang="en-US"/>
           </a:p>
@@ -2070,7 +2071,7 @@
           <a:p>
             <a:fld id="{A2339E7D-B632-4A32-9D1C-D9FF9481F582}" type="datetimeFigureOut">
               <a:rPr lang="ko-KR" altLang="en-US" smtClean="0"/>
-              <a:t>2024-09-04</a:t>
+              <a:t>2024-09-26</a:t>
             </a:fld>
             <a:endParaRPr lang="ko-KR" altLang="en-US"/>
           </a:p>
@@ -2381,7 +2382,7 @@
           <a:p>
             <a:fld id="{A2339E7D-B632-4A32-9D1C-D9FF9481F582}" type="datetimeFigureOut">
               <a:rPr lang="ko-KR" altLang="en-US" smtClean="0"/>
-              <a:t>2024-09-04</a:t>
+              <a:t>2024-09-26</a:t>
             </a:fld>
             <a:endParaRPr lang="ko-KR" altLang="en-US"/>
           </a:p>
@@ -2669,7 +2670,7 @@
           <a:p>
             <a:fld id="{A2339E7D-B632-4A32-9D1C-D9FF9481F582}" type="datetimeFigureOut">
               <a:rPr lang="ko-KR" altLang="en-US" smtClean="0"/>
-              <a:t>2024-09-04</a:t>
+              <a:t>2024-09-26</a:t>
             </a:fld>
             <a:endParaRPr lang="ko-KR" altLang="en-US"/>
           </a:p>
@@ -2910,7 +2911,7 @@
           <a:p>
             <a:fld id="{A2339E7D-B632-4A32-9D1C-D9FF9481F582}" type="datetimeFigureOut">
               <a:rPr lang="ko-KR" altLang="en-US" smtClean="0"/>
-              <a:t>2024-09-04</a:t>
+              <a:t>2024-09-26</a:t>
             </a:fld>
             <a:endParaRPr lang="ko-KR" altLang="en-US"/>
           </a:p>
@@ -4230,7 +4231,7 @@
             <a:pPr algn="ctr"/>
             <a:r>
               <a:rPr lang="en-US" altLang="ko-KR" dirty="0"/>
-              <a:t>List</a:t>
+              <a:t>Start Help</a:t>
             </a:r>
             <a:endParaRPr lang="ko-KR" altLang="en-US" dirty="0"/>
           </a:p>
@@ -4238,10 +4239,10 @@
       </p:sp>
       <p:sp>
         <p:nvSpPr>
-          <p:cNvPr id="5" name="사각형: 둥근 모서리 4">
-            <a:extLst>
-              <a:ext uri="{FF2B5EF4-FFF2-40B4-BE49-F238E27FC236}">
-                <a16:creationId xmlns:a16="http://schemas.microsoft.com/office/drawing/2014/main" id="{B40575E0-5482-44CF-EEDD-54B70362CD90}"/>
+          <p:cNvPr id="6" name="사각형: 둥근 모서리 5">
+            <a:extLst>
+              <a:ext uri="{FF2B5EF4-FFF2-40B4-BE49-F238E27FC236}">
+                <a16:creationId xmlns:a16="http://schemas.microsoft.com/office/drawing/2014/main" id="{E6C79EDB-24CB-8E56-7A8E-F924CB91D84B}"/>
               </a:ext>
             </a:extLst>
           </p:cNvPr>
@@ -4250,7 +4251,7 @@
         </p:nvSpPr>
         <p:spPr>
           <a:xfrm>
-            <a:off x="5969251" y="3628168"/>
+            <a:off x="9886382" y="2946317"/>
             <a:ext cx="1321806" cy="579422"/>
           </a:xfrm>
           <a:prstGeom prst="roundRect">
@@ -4280,8 +4281,8 @@
           <a:p>
             <a:pPr algn="ctr"/>
             <a:r>
-              <a:rPr lang="en-US" altLang="ko-KR" dirty="0"/>
-              <a:t>View</a:t>
+              <a:rPr lang="en-US" altLang="ko-KR" dirty="0" err="1"/>
+              <a:t>AddRoom</a:t>
             </a:r>
             <a:endParaRPr lang="ko-KR" altLang="en-US" dirty="0"/>
           </a:p>
@@ -4289,10 +4290,10 @@
       </p:sp>
       <p:sp>
         <p:nvSpPr>
-          <p:cNvPr id="6" name="사각형: 둥근 모서리 5">
-            <a:extLst>
-              <a:ext uri="{FF2B5EF4-FFF2-40B4-BE49-F238E27FC236}">
-                <a16:creationId xmlns:a16="http://schemas.microsoft.com/office/drawing/2014/main" id="{E6C79EDB-24CB-8E56-7A8E-F924CB91D84B}"/>
+          <p:cNvPr id="8" name="사각형: 둥근 모서리 7">
+            <a:extLst>
+              <a:ext uri="{FF2B5EF4-FFF2-40B4-BE49-F238E27FC236}">
+                <a16:creationId xmlns:a16="http://schemas.microsoft.com/office/drawing/2014/main" id="{E7FA7229-8789-4766-CD8C-0E2DD5FEDF60}"/>
               </a:ext>
             </a:extLst>
           </p:cNvPr>
@@ -4301,14 +4302,14 @@
         </p:nvSpPr>
         <p:spPr>
           <a:xfrm>
-            <a:off x="10001061" y="3628168"/>
-            <a:ext cx="1321806" cy="579422"/>
+            <a:off x="5600318" y="2969706"/>
+            <a:ext cx="1163371" cy="579422"/>
           </a:xfrm>
           <a:prstGeom prst="roundRect">
             <a:avLst/>
           </a:prstGeom>
           <a:solidFill>
-            <a:schemeClr val="accent2"/>
+            <a:schemeClr val="accent6"/>
           </a:solidFill>
         </p:spPr>
         <p:style>
@@ -4331,19 +4332,18 @@
           <a:p>
             <a:pPr algn="ctr"/>
             <a:r>
-              <a:rPr lang="en-US" altLang="ko-KR" dirty="0"/>
-              <a:t>Write</a:t>
-            </a:r>
-            <a:endParaRPr lang="ko-KR" altLang="en-US" dirty="0"/>
-          </a:p>
-        </p:txBody>
-      </p:sp>
-      <p:sp>
-        <p:nvSpPr>
-          <p:cNvPr id="7" name="사각형: 둥근 모서리 6">
-            <a:extLst>
-              <a:ext uri="{FF2B5EF4-FFF2-40B4-BE49-F238E27FC236}">
-                <a16:creationId xmlns:a16="http://schemas.microsoft.com/office/drawing/2014/main" id="{AA7164DE-B063-B786-6748-2F391768C6CA}"/>
+              <a:rPr lang="ko-KR" altLang="en-US" dirty="0"/>
+              <a:t>상담원</a:t>
+            </a:r>
+          </a:p>
+        </p:txBody>
+      </p:sp>
+      <p:sp>
+        <p:nvSpPr>
+          <p:cNvPr id="9" name="사각형: 둥근 모서리 8">
+            <a:extLst>
+              <a:ext uri="{FF2B5EF4-FFF2-40B4-BE49-F238E27FC236}">
+                <a16:creationId xmlns:a16="http://schemas.microsoft.com/office/drawing/2014/main" id="{1B0552F7-BE9F-D395-EC75-13032733594F}"/>
               </a:ext>
             </a:extLst>
           </p:cNvPr>
@@ -4352,14 +4352,14 @@
         </p:nvSpPr>
         <p:spPr>
           <a:xfrm>
-            <a:off x="1937441" y="5418489"/>
-            <a:ext cx="1321806" cy="579422"/>
+            <a:off x="5438110" y="3555741"/>
+            <a:ext cx="1502875" cy="579422"/>
           </a:xfrm>
           <a:prstGeom prst="roundRect">
             <a:avLst/>
           </a:prstGeom>
           <a:solidFill>
-            <a:schemeClr val="accent2"/>
+            <a:schemeClr val="accent6"/>
           </a:solidFill>
         </p:spPr>
         <p:style>
@@ -4382,19 +4382,26 @@
           <a:p>
             <a:pPr algn="ctr"/>
             <a:r>
+              <a:rPr lang="ko-KR" altLang="en-US" dirty="0"/>
+              <a:t>환불</a:t>
+            </a:r>
+            <a:r>
               <a:rPr lang="en-US" altLang="ko-KR" dirty="0"/>
-              <a:t>Delete</a:t>
-            </a:r>
-            <a:endParaRPr lang="ko-KR" altLang="en-US" dirty="0"/>
-          </a:p>
-        </p:txBody>
-      </p:sp>
-      <p:sp>
-        <p:nvSpPr>
-          <p:cNvPr id="8" name="사각형: 둥근 모서리 7">
-            <a:extLst>
-              <a:ext uri="{FF2B5EF4-FFF2-40B4-BE49-F238E27FC236}">
-                <a16:creationId xmlns:a16="http://schemas.microsoft.com/office/drawing/2014/main" id="{E7FA7229-8789-4766-CD8C-0E2DD5FEDF60}"/>
+              <a:t>/</a:t>
+            </a:r>
+            <a:r>
+              <a:rPr lang="ko-KR" altLang="en-US" dirty="0"/>
+              <a:t>취소</a:t>
+            </a:r>
+          </a:p>
+        </p:txBody>
+      </p:sp>
+      <p:sp>
+        <p:nvSpPr>
+          <p:cNvPr id="10" name="사각형: 둥근 모서리 9">
+            <a:extLst>
+              <a:ext uri="{FF2B5EF4-FFF2-40B4-BE49-F238E27FC236}">
+                <a16:creationId xmlns:a16="http://schemas.microsoft.com/office/drawing/2014/main" id="{0BAA53BD-88BD-BB1C-D686-4C8F50E73685}"/>
               </a:ext>
             </a:extLst>
           </p:cNvPr>
@@ -4403,8 +4410,8 @@
         </p:nvSpPr>
         <p:spPr>
           <a:xfrm>
-            <a:off x="5969251" y="5418489"/>
-            <a:ext cx="1321806" cy="579422"/>
+            <a:off x="5184614" y="4150437"/>
+            <a:ext cx="1976674" cy="579422"/>
           </a:xfrm>
           <a:prstGeom prst="roundRect">
             <a:avLst/>
@@ -4434,17 +4441,17 @@
             <a:pPr algn="ctr"/>
             <a:r>
               <a:rPr lang="ko-KR" altLang="en-US" dirty="0"/>
-              <a:t>상담원</a:t>
-            </a:r>
-          </a:p>
-        </p:txBody>
-      </p:sp>
-      <p:sp>
-        <p:nvSpPr>
-          <p:cNvPr id="9" name="사각형: 둥근 모서리 8">
-            <a:extLst>
-              <a:ext uri="{FF2B5EF4-FFF2-40B4-BE49-F238E27FC236}">
-                <a16:creationId xmlns:a16="http://schemas.microsoft.com/office/drawing/2014/main" id="{1B0552F7-BE9F-D395-EC75-13032733594F}"/>
+              <a:t>주문정보 변경</a:t>
+            </a:r>
+          </a:p>
+        </p:txBody>
+      </p:sp>
+      <p:sp>
+        <p:nvSpPr>
+          <p:cNvPr id="11" name="사각형: 둥근 모서리 10">
+            <a:extLst>
+              <a:ext uri="{FF2B5EF4-FFF2-40B4-BE49-F238E27FC236}">
+                <a16:creationId xmlns:a16="http://schemas.microsoft.com/office/drawing/2014/main" id="{B2FC6FE7-9CF6-DAE5-8981-EAC06FD40D13}"/>
               </a:ext>
             </a:extLst>
           </p:cNvPr>
@@ -4453,8 +4460,8 @@
         </p:nvSpPr>
         <p:spPr>
           <a:xfrm>
-            <a:off x="5641817" y="1126584"/>
-            <a:ext cx="1976674" cy="579422"/>
+            <a:off x="5591265" y="4729859"/>
+            <a:ext cx="1163371" cy="579422"/>
           </a:xfrm>
           <a:prstGeom prst="roundRect">
             <a:avLst/>
@@ -4484,25 +4491,62 @@
             <a:pPr algn="ctr"/>
             <a:r>
               <a:rPr lang="ko-KR" altLang="en-US" dirty="0"/>
-              <a:t>환불</a:t>
-            </a:r>
-            <a:r>
-              <a:rPr lang="en-US" altLang="ko-KR" dirty="0"/>
-              <a:t>/</a:t>
-            </a:r>
-            <a:r>
-              <a:rPr lang="ko-KR" altLang="en-US" dirty="0"/>
-              <a:t>취소</a:t>
-            </a:r>
-          </a:p>
-        </p:txBody>
-      </p:sp>
-      <p:sp>
-        <p:nvSpPr>
-          <p:cNvPr id="10" name="사각형: 둥근 모서리 9">
-            <a:extLst>
-              <a:ext uri="{FF2B5EF4-FFF2-40B4-BE49-F238E27FC236}">
-                <a16:creationId xmlns:a16="http://schemas.microsoft.com/office/drawing/2014/main" id="{0BAA53BD-88BD-BB1C-D686-4C8F50E73685}"/>
+              <a:t>이벤트</a:t>
+            </a:r>
+          </a:p>
+        </p:txBody>
+      </p:sp>
+      <p:cxnSp>
+        <p:nvCxnSpPr>
+          <p:cNvPr id="20" name="직선 화살표 연결선 19">
+            <a:extLst>
+              <a:ext uri="{FF2B5EF4-FFF2-40B4-BE49-F238E27FC236}">
+                <a16:creationId xmlns:a16="http://schemas.microsoft.com/office/drawing/2014/main" id="{34D14ED5-A6F4-2944-8173-50C8CF662834}"/>
+              </a:ext>
+            </a:extLst>
+          </p:cNvPr>
+          <p:cNvCxnSpPr>
+            <a:cxnSpLocks/>
+            <a:stCxn id="3" idx="3"/>
+          </p:cNvCxnSpPr>
+          <p:nvPr/>
+        </p:nvCxnSpPr>
+        <p:spPr>
+          <a:xfrm>
+            <a:off x="3259247" y="3917879"/>
+            <a:ext cx="1925367" cy="0"/>
+          </a:xfrm>
+          <a:prstGeom prst="straightConnector1">
+            <a:avLst/>
+          </a:prstGeom>
+          <a:ln w="63500">
+            <a:solidFill>
+              <a:schemeClr val="tx1"/>
+            </a:solidFill>
+            <a:tailEnd type="triangle" w="sm" len="sm"/>
+          </a:ln>
+        </p:spPr>
+        <p:style>
+          <a:lnRef idx="1">
+            <a:schemeClr val="accent1"/>
+          </a:lnRef>
+          <a:fillRef idx="0">
+            <a:schemeClr val="accent1"/>
+          </a:fillRef>
+          <a:effectRef idx="0">
+            <a:schemeClr val="accent1"/>
+          </a:effectRef>
+          <a:fontRef idx="minor">
+            <a:schemeClr val="tx1"/>
+          </a:fontRef>
+        </p:style>
+      </p:cxnSp>
+      <p:sp>
+        <p:nvSpPr>
+          <p:cNvPr id="24" name="사각형: 둥근 모서리 23">
+            <a:extLst>
+              <a:ext uri="{FF2B5EF4-FFF2-40B4-BE49-F238E27FC236}">
+                <a16:creationId xmlns:a16="http://schemas.microsoft.com/office/drawing/2014/main" id="{A57D72A5-CE3C-0BD3-5094-2D41286E77DF}"/>
               </a:ext>
             </a:extLst>
           </p:cNvPr>
@@ -4511,14 +4555,14 @@
         </p:nvSpPr>
         <p:spPr>
           <a:xfrm>
-            <a:off x="5641817" y="1706006"/>
-            <a:ext cx="1976674" cy="579422"/>
+            <a:off x="9792831" y="4130066"/>
+            <a:ext cx="1536070" cy="579422"/>
           </a:xfrm>
           <a:prstGeom prst="roundRect">
             <a:avLst/>
           </a:prstGeom>
           <a:solidFill>
-            <a:schemeClr val="accent6"/>
+            <a:schemeClr val="accent3"/>
           </a:solidFill>
         </p:spPr>
         <p:style>
@@ -4542,87 +4586,40 @@
             <a:pPr algn="ctr"/>
             <a:r>
               <a:rPr lang="ko-KR" altLang="en-US" dirty="0"/>
-              <a:t>주문정보 변경</a:t>
-            </a:r>
-          </a:p>
-        </p:txBody>
-      </p:sp>
-      <p:sp>
-        <p:nvSpPr>
-          <p:cNvPr id="11" name="사각형: 둥근 모서리 10">
-            <a:extLst>
-              <a:ext uri="{FF2B5EF4-FFF2-40B4-BE49-F238E27FC236}">
-                <a16:creationId xmlns:a16="http://schemas.microsoft.com/office/drawing/2014/main" id="{B2FC6FE7-9CF6-DAE5-8981-EAC06FD40D13}"/>
-              </a:ext>
-            </a:extLst>
-          </p:cNvPr>
-          <p:cNvSpPr/>
-          <p:nvPr/>
-        </p:nvSpPr>
-        <p:spPr>
-          <a:xfrm>
-            <a:off x="6048468" y="2285428"/>
-            <a:ext cx="1163371" cy="579422"/>
-          </a:xfrm>
-          <a:prstGeom prst="roundRect">
-            <a:avLst/>
-          </a:prstGeom>
-          <a:solidFill>
-            <a:schemeClr val="accent6"/>
-          </a:solidFill>
-        </p:spPr>
-        <p:style>
-          <a:lnRef idx="3">
-            <a:schemeClr val="lt1"/>
-          </a:lnRef>
-          <a:fillRef idx="1">
-            <a:schemeClr val="accent5"/>
-          </a:fillRef>
-          <a:effectRef idx="1">
-            <a:schemeClr val="accent5"/>
-          </a:effectRef>
-          <a:fontRef idx="minor">
-            <a:schemeClr val="lt1"/>
-          </a:fontRef>
-        </p:style>
-        <p:txBody>
-          <a:bodyPr rtlCol="0" anchor="ctr"/>
-          <a:lstStyle/>
-          <a:p>
-            <a:pPr algn="ctr"/>
-            <a:r>
-              <a:rPr lang="ko-KR" altLang="en-US" dirty="0"/>
-              <a:t>이벤트</a:t>
+              <a:t>배송지 변경</a:t>
             </a:r>
           </a:p>
         </p:txBody>
       </p:sp>
       <p:cxnSp>
         <p:nvCxnSpPr>
-          <p:cNvPr id="13" name="직선 화살표 연결선 12">
-            <a:extLst>
-              <a:ext uri="{FF2B5EF4-FFF2-40B4-BE49-F238E27FC236}">
-                <a16:creationId xmlns:a16="http://schemas.microsoft.com/office/drawing/2014/main" id="{29740AA5-9499-E4DC-064F-7C540266EC0F}"/>
+          <p:cNvPr id="26" name="직선 화살표 연결선 25">
+            <a:extLst>
+              <a:ext uri="{FF2B5EF4-FFF2-40B4-BE49-F238E27FC236}">
+                <a16:creationId xmlns:a16="http://schemas.microsoft.com/office/drawing/2014/main" id="{2F5A4BE0-4C5C-0F08-CDE2-9321A03227E1}"/>
               </a:ext>
             </a:extLst>
           </p:cNvPr>
           <p:cNvCxnSpPr>
-            <a:stCxn id="5" idx="0"/>
-            <a:endCxn id="11" idx="2"/>
+            <a:cxnSpLocks/>
+            <a:stCxn id="9" idx="3"/>
+            <a:endCxn id="39" idx="1"/>
           </p:cNvCxnSpPr>
           <p:nvPr/>
         </p:nvCxnSpPr>
         <p:spPr>
-          <a:xfrm flipV="1">
-            <a:off x="6630154" y="2864850"/>
-            <a:ext cx="0" cy="763318"/>
+          <a:xfrm>
+            <a:off x="6940985" y="3845452"/>
+            <a:ext cx="2936344" cy="0"/>
           </a:xfrm>
           <a:prstGeom prst="straightConnector1">
             <a:avLst/>
           </a:prstGeom>
           <a:ln w="63500">
             <a:solidFill>
-              <a:schemeClr val="tx1"/>
+              <a:schemeClr val="accent6">
+                <a:lumMod val="75000"/>
+              </a:schemeClr>
             </a:solidFill>
             <a:tailEnd type="triangle" w="sm" len="sm"/>
           </a:ln>
@@ -4644,24 +4641,185 @@
       </p:cxnSp>
       <p:cxnSp>
         <p:nvCxnSpPr>
-          <p:cNvPr id="14" name="직선 화살표 연결선 13">
-            <a:extLst>
-              <a:ext uri="{FF2B5EF4-FFF2-40B4-BE49-F238E27FC236}">
-                <a16:creationId xmlns:a16="http://schemas.microsoft.com/office/drawing/2014/main" id="{2D355DE9-C7C9-B210-E305-CB780DF9679D}"/>
+          <p:cNvPr id="27" name="직선 화살표 연결선 26">
+            <a:extLst>
+              <a:ext uri="{FF2B5EF4-FFF2-40B4-BE49-F238E27FC236}">
+                <a16:creationId xmlns:a16="http://schemas.microsoft.com/office/drawing/2014/main" id="{145DC7AD-E0BA-CFC2-7293-4926782BE709}"/>
               </a:ext>
             </a:extLst>
           </p:cNvPr>
           <p:cNvCxnSpPr>
             <a:cxnSpLocks/>
-            <a:stCxn id="5" idx="2"/>
-            <a:endCxn id="8" idx="0"/>
+            <a:stCxn id="10" idx="3"/>
+            <a:endCxn id="24" idx="1"/>
           </p:cNvCxnSpPr>
           <p:nvPr/>
         </p:nvCxnSpPr>
         <p:spPr>
-          <a:xfrm>
-            <a:off x="6630154" y="4207590"/>
-            <a:ext cx="0" cy="1210899"/>
+          <a:xfrm flipV="1">
+            <a:off x="7161288" y="4419777"/>
+            <a:ext cx="2631543" cy="20371"/>
+          </a:xfrm>
+          <a:prstGeom prst="straightConnector1">
+            <a:avLst/>
+          </a:prstGeom>
+          <a:ln w="63500">
+            <a:solidFill>
+              <a:schemeClr val="accent6">
+                <a:lumMod val="75000"/>
+              </a:schemeClr>
+            </a:solidFill>
+            <a:tailEnd type="triangle" w="sm" len="sm"/>
+          </a:ln>
+        </p:spPr>
+        <p:style>
+          <a:lnRef idx="1">
+            <a:schemeClr val="accent1"/>
+          </a:lnRef>
+          <a:fillRef idx="0">
+            <a:schemeClr val="accent1"/>
+          </a:fillRef>
+          <a:effectRef idx="0">
+            <a:schemeClr val="accent1"/>
+          </a:effectRef>
+          <a:fontRef idx="minor">
+            <a:schemeClr val="tx1"/>
+          </a:fontRef>
+        </p:style>
+      </p:cxnSp>
+      <p:sp>
+        <p:nvSpPr>
+          <p:cNvPr id="30" name="사각형: 둥근 모서리 29">
+            <a:extLst>
+              <a:ext uri="{FF2B5EF4-FFF2-40B4-BE49-F238E27FC236}">
+                <a16:creationId xmlns:a16="http://schemas.microsoft.com/office/drawing/2014/main" id="{D7D6C328-750A-443C-6920-F5FB45D3E4E8}"/>
+              </a:ext>
+            </a:extLst>
+          </p:cNvPr>
+          <p:cNvSpPr/>
+          <p:nvPr/>
+        </p:nvSpPr>
+        <p:spPr>
+          <a:xfrm>
+            <a:off x="7715058" y="3687868"/>
+            <a:ext cx="1321806" cy="864041"/>
+          </a:xfrm>
+          <a:prstGeom prst="roundRect">
+            <a:avLst/>
+          </a:prstGeom>
+          <a:solidFill>
+            <a:schemeClr val="dk1">
+              <a:alpha val="50000"/>
+            </a:schemeClr>
+          </a:solidFill>
+          <a:ln>
+            <a:noFill/>
+          </a:ln>
+        </p:spPr>
+        <p:style>
+          <a:lnRef idx="0">
+            <a:scrgbClr r="0" g="0" b="0"/>
+          </a:lnRef>
+          <a:fillRef idx="0">
+            <a:scrgbClr r="0" g="0" b="0"/>
+          </a:fillRef>
+          <a:effectRef idx="0">
+            <a:scrgbClr r="0" g="0" b="0"/>
+          </a:effectRef>
+          <a:fontRef idx="minor">
+            <a:schemeClr val="lt1"/>
+          </a:fontRef>
+        </p:style>
+        <p:txBody>
+          <a:bodyPr rtlCol="0" anchor="ctr"/>
+          <a:lstStyle/>
+          <a:p>
+            <a:pPr algn="ctr"/>
+            <a:r>
+              <a:rPr lang="ko-KR" altLang="en-US" dirty="0"/>
+              <a:t>주문내역</a:t>
+            </a:r>
+            <a:endParaRPr lang="en-US" altLang="ko-KR" dirty="0"/>
+          </a:p>
+          <a:p>
+            <a:pPr algn="ctr"/>
+            <a:r>
+              <a:rPr lang="ko-KR" altLang="en-US" dirty="0"/>
+              <a:t>리스트</a:t>
+            </a:r>
+          </a:p>
+        </p:txBody>
+      </p:sp>
+      <p:sp>
+        <p:nvSpPr>
+          <p:cNvPr id="31" name="사각형: 둥근 모서리 30">
+            <a:extLst>
+              <a:ext uri="{FF2B5EF4-FFF2-40B4-BE49-F238E27FC236}">
+                <a16:creationId xmlns:a16="http://schemas.microsoft.com/office/drawing/2014/main" id="{D311EF6A-4620-B234-B829-03E9B882018A}"/>
+              </a:ext>
+            </a:extLst>
+          </p:cNvPr>
+          <p:cNvSpPr/>
+          <p:nvPr/>
+        </p:nvSpPr>
+        <p:spPr>
+          <a:xfrm>
+            <a:off x="9801884" y="4711751"/>
+            <a:ext cx="1536070" cy="579422"/>
+          </a:xfrm>
+          <a:prstGeom prst="roundRect">
+            <a:avLst/>
+          </a:prstGeom>
+          <a:solidFill>
+            <a:srgbClr val="00B0F0"/>
+          </a:solidFill>
+        </p:spPr>
+        <p:style>
+          <a:lnRef idx="3">
+            <a:schemeClr val="lt1"/>
+          </a:lnRef>
+          <a:fillRef idx="1">
+            <a:schemeClr val="accent5"/>
+          </a:fillRef>
+          <a:effectRef idx="1">
+            <a:schemeClr val="accent5"/>
+          </a:effectRef>
+          <a:fontRef idx="minor">
+            <a:schemeClr val="lt1"/>
+          </a:fontRef>
+        </p:style>
+        <p:txBody>
+          <a:bodyPr rtlCol="0" anchor="ctr"/>
+          <a:lstStyle/>
+          <a:p>
+            <a:pPr algn="ctr"/>
+            <a:r>
+              <a:rPr lang="ko-KR" altLang="en-US" dirty="0"/>
+              <a:t>이벤트 목록</a:t>
+            </a:r>
+          </a:p>
+        </p:txBody>
+      </p:sp>
+      <p:cxnSp>
+        <p:nvCxnSpPr>
+          <p:cNvPr id="32" name="직선 화살표 연결선 31">
+            <a:extLst>
+              <a:ext uri="{FF2B5EF4-FFF2-40B4-BE49-F238E27FC236}">
+                <a16:creationId xmlns:a16="http://schemas.microsoft.com/office/drawing/2014/main" id="{AED23561-A900-96BC-898F-8DE17786578B}"/>
+              </a:ext>
+            </a:extLst>
+          </p:cNvPr>
+          <p:cNvCxnSpPr>
+            <a:cxnSpLocks/>
+            <a:stCxn id="11" idx="3"/>
+            <a:endCxn id="31" idx="1"/>
+          </p:cNvCxnSpPr>
+          <p:nvPr/>
+        </p:nvCxnSpPr>
+        <p:spPr>
+          <a:xfrm flipV="1">
+            <a:off x="6754636" y="5001462"/>
+            <a:ext cx="3047248" cy="18108"/>
           </a:xfrm>
           <a:prstGeom prst="straightConnector1">
             <a:avLst/>
@@ -4690,6 +4848,643 @@
       </p:cxnSp>
       <p:cxnSp>
         <p:nvCxnSpPr>
+          <p:cNvPr id="35" name="직선 화살표 연결선 34">
+            <a:extLst>
+              <a:ext uri="{FF2B5EF4-FFF2-40B4-BE49-F238E27FC236}">
+                <a16:creationId xmlns:a16="http://schemas.microsoft.com/office/drawing/2014/main" id="{960A51FC-CB87-48FC-946E-D946521D3EF4}"/>
+              </a:ext>
+            </a:extLst>
+          </p:cNvPr>
+          <p:cNvCxnSpPr>
+            <a:cxnSpLocks/>
+            <a:stCxn id="8" idx="3"/>
+            <a:endCxn id="6" idx="1"/>
+          </p:cNvCxnSpPr>
+          <p:nvPr/>
+        </p:nvCxnSpPr>
+        <p:spPr>
+          <a:xfrm flipV="1">
+            <a:off x="6763689" y="3236028"/>
+            <a:ext cx="3122693" cy="23389"/>
+          </a:xfrm>
+          <a:prstGeom prst="straightConnector1">
+            <a:avLst/>
+          </a:prstGeom>
+          <a:ln w="63500">
+            <a:solidFill>
+              <a:srgbClr val="7030A0"/>
+            </a:solidFill>
+            <a:headEnd type="triangle" w="sm" len="sm"/>
+            <a:tailEnd type="triangle" w="sm" len="sm"/>
+          </a:ln>
+        </p:spPr>
+        <p:style>
+          <a:lnRef idx="1">
+            <a:schemeClr val="accent1"/>
+          </a:lnRef>
+          <a:fillRef idx="0">
+            <a:schemeClr val="accent1"/>
+          </a:fillRef>
+          <a:effectRef idx="0">
+            <a:schemeClr val="accent1"/>
+          </a:effectRef>
+          <a:fontRef idx="minor">
+            <a:schemeClr val="tx1"/>
+          </a:fontRef>
+        </p:style>
+      </p:cxnSp>
+      <p:cxnSp>
+        <p:nvCxnSpPr>
+          <p:cNvPr id="37" name="직선 화살표 연결선 36">
+            <a:extLst>
+              <a:ext uri="{FF2B5EF4-FFF2-40B4-BE49-F238E27FC236}">
+                <a16:creationId xmlns:a16="http://schemas.microsoft.com/office/drawing/2014/main" id="{B1F4C7D5-4ABA-8086-CFEA-8E9C4908F256}"/>
+              </a:ext>
+            </a:extLst>
+          </p:cNvPr>
+          <p:cNvCxnSpPr>
+            <a:cxnSpLocks/>
+            <a:stCxn id="2" idx="2"/>
+            <a:endCxn id="3" idx="0"/>
+          </p:cNvCxnSpPr>
+          <p:nvPr/>
+        </p:nvCxnSpPr>
+        <p:spPr>
+          <a:xfrm>
+            <a:off x="2598344" y="2417269"/>
+            <a:ext cx="0" cy="1210899"/>
+          </a:xfrm>
+          <a:prstGeom prst="straightConnector1">
+            <a:avLst/>
+          </a:prstGeom>
+          <a:ln w="63500">
+            <a:solidFill>
+              <a:schemeClr val="tx1"/>
+            </a:solidFill>
+            <a:tailEnd type="triangle" w="sm" len="sm"/>
+          </a:ln>
+        </p:spPr>
+        <p:style>
+          <a:lnRef idx="1">
+            <a:schemeClr val="accent1"/>
+          </a:lnRef>
+          <a:fillRef idx="0">
+            <a:schemeClr val="accent1"/>
+          </a:fillRef>
+          <a:effectRef idx="0">
+            <a:schemeClr val="accent1"/>
+          </a:effectRef>
+          <a:fontRef idx="minor">
+            <a:schemeClr val="tx1"/>
+          </a:fontRef>
+        </p:style>
+      </p:cxnSp>
+      <p:sp>
+        <p:nvSpPr>
+          <p:cNvPr id="4" name="직사각형 3">
+            <a:extLst>
+              <a:ext uri="{FF2B5EF4-FFF2-40B4-BE49-F238E27FC236}">
+                <a16:creationId xmlns:a16="http://schemas.microsoft.com/office/drawing/2014/main" id="{87AE1D1A-8840-6F8F-F243-828E113A26B7}"/>
+              </a:ext>
+            </a:extLst>
+          </p:cNvPr>
+          <p:cNvSpPr/>
+          <p:nvPr/>
+        </p:nvSpPr>
+        <p:spPr>
+          <a:xfrm>
+            <a:off x="706170" y="624681"/>
+            <a:ext cx="2227153" cy="497940"/>
+          </a:xfrm>
+          <a:prstGeom prst="rect">
+            <a:avLst/>
+          </a:prstGeom>
+          <a:ln>
+            <a:solidFill>
+              <a:schemeClr val="accent3"/>
+            </a:solidFill>
+          </a:ln>
+        </p:spPr>
+        <p:style>
+          <a:lnRef idx="2">
+            <a:schemeClr val="dk1"/>
+          </a:lnRef>
+          <a:fillRef idx="1">
+            <a:schemeClr val="lt1"/>
+          </a:fillRef>
+          <a:effectRef idx="0">
+            <a:schemeClr val="dk1"/>
+          </a:effectRef>
+          <a:fontRef idx="minor">
+            <a:schemeClr val="dk1"/>
+          </a:fontRef>
+        </p:style>
+        <p:txBody>
+          <a:bodyPr rtlCol="0" anchor="ctr"/>
+          <a:lstStyle/>
+          <a:p>
+            <a:pPr algn="ctr"/>
+            <a:r>
+              <a:rPr lang="ko-KR" altLang="en-US" dirty="0" err="1"/>
+              <a:t>상담챗봇</a:t>
+            </a:r>
+            <a:r>
+              <a:rPr lang="en-US" altLang="ko-KR" dirty="0"/>
+              <a:t>-</a:t>
+            </a:r>
+            <a:r>
+              <a:rPr lang="ko-KR" altLang="en-US" dirty="0"/>
+              <a:t>일반회원</a:t>
+            </a:r>
+          </a:p>
+        </p:txBody>
+      </p:sp>
+      <p:sp>
+        <p:nvSpPr>
+          <p:cNvPr id="39" name="사각형: 둥근 모서리 38">
+            <a:extLst>
+              <a:ext uri="{FF2B5EF4-FFF2-40B4-BE49-F238E27FC236}">
+                <a16:creationId xmlns:a16="http://schemas.microsoft.com/office/drawing/2014/main" id="{6A50A86A-B2CD-FB07-AA3E-4D809C276A49}"/>
+              </a:ext>
+            </a:extLst>
+          </p:cNvPr>
+          <p:cNvSpPr/>
+          <p:nvPr/>
+        </p:nvSpPr>
+        <p:spPr>
+          <a:xfrm>
+            <a:off x="9877329" y="3555741"/>
+            <a:ext cx="1321806" cy="579422"/>
+          </a:xfrm>
+          <a:prstGeom prst="roundRect">
+            <a:avLst/>
+          </a:prstGeom>
+          <a:solidFill>
+            <a:schemeClr val="accent3"/>
+          </a:solidFill>
+        </p:spPr>
+        <p:style>
+          <a:lnRef idx="3">
+            <a:schemeClr val="lt1"/>
+          </a:lnRef>
+          <a:fillRef idx="1">
+            <a:schemeClr val="accent5"/>
+          </a:fillRef>
+          <a:effectRef idx="1">
+            <a:schemeClr val="accent5"/>
+          </a:effectRef>
+          <a:fontRef idx="minor">
+            <a:schemeClr val="lt1"/>
+          </a:fontRef>
+        </p:style>
+        <p:txBody>
+          <a:bodyPr rtlCol="0" anchor="ctr"/>
+          <a:lstStyle/>
+          <a:p>
+            <a:pPr algn="ctr"/>
+            <a:r>
+              <a:rPr lang="ko-KR" altLang="en-US" dirty="0"/>
+              <a:t>취소</a:t>
+            </a:r>
+            <a:r>
+              <a:rPr lang="en-US" altLang="ko-KR" dirty="0"/>
+              <a:t>/</a:t>
+            </a:r>
+            <a:r>
+              <a:rPr lang="ko-KR" altLang="en-US" dirty="0"/>
+              <a:t>반품</a:t>
+            </a:r>
+          </a:p>
+        </p:txBody>
+      </p:sp>
+      <p:sp>
+        <p:nvSpPr>
+          <p:cNvPr id="54" name="사각형: 둥근 모서리 53">
+            <a:extLst>
+              <a:ext uri="{FF2B5EF4-FFF2-40B4-BE49-F238E27FC236}">
+                <a16:creationId xmlns:a16="http://schemas.microsoft.com/office/drawing/2014/main" id="{85E5AE5B-E528-763B-1852-FF048A63CF04}"/>
+              </a:ext>
+            </a:extLst>
+          </p:cNvPr>
+          <p:cNvSpPr/>
+          <p:nvPr/>
+        </p:nvSpPr>
+        <p:spPr>
+          <a:xfrm>
+            <a:off x="9877329" y="1938444"/>
+            <a:ext cx="1321806" cy="579422"/>
+          </a:xfrm>
+          <a:prstGeom prst="roundRect">
+            <a:avLst/>
+          </a:prstGeom>
+          <a:solidFill>
+            <a:schemeClr val="accent2"/>
+          </a:solidFill>
+        </p:spPr>
+        <p:style>
+          <a:lnRef idx="3">
+            <a:schemeClr val="lt1"/>
+          </a:lnRef>
+          <a:fillRef idx="1">
+            <a:schemeClr val="accent5"/>
+          </a:fillRef>
+          <a:effectRef idx="1">
+            <a:schemeClr val="accent5"/>
+          </a:effectRef>
+          <a:fontRef idx="minor">
+            <a:schemeClr val="lt1"/>
+          </a:fontRef>
+        </p:style>
+        <p:txBody>
+          <a:bodyPr rtlCol="0" anchor="ctr"/>
+          <a:lstStyle/>
+          <a:p>
+            <a:pPr algn="ctr"/>
+            <a:r>
+              <a:rPr lang="en-US" altLang="ko-KR" dirty="0"/>
+              <a:t>History</a:t>
+            </a:r>
+            <a:endParaRPr lang="ko-KR" altLang="en-US" dirty="0"/>
+          </a:p>
+        </p:txBody>
+      </p:sp>
+      <p:cxnSp>
+        <p:nvCxnSpPr>
+          <p:cNvPr id="56" name="직선 화살표 연결선 55">
+            <a:extLst>
+              <a:ext uri="{FF2B5EF4-FFF2-40B4-BE49-F238E27FC236}">
+                <a16:creationId xmlns:a16="http://schemas.microsoft.com/office/drawing/2014/main" id="{78D58DC8-1344-5BE7-EB5A-DCCAA4EEB111}"/>
+              </a:ext>
+            </a:extLst>
+          </p:cNvPr>
+          <p:cNvCxnSpPr>
+            <a:cxnSpLocks/>
+            <a:stCxn id="6" idx="0"/>
+            <a:endCxn id="54" idx="2"/>
+          </p:cNvCxnSpPr>
+          <p:nvPr/>
+        </p:nvCxnSpPr>
+        <p:spPr>
+          <a:xfrm flipH="1" flipV="1">
+            <a:off x="10538232" y="2517866"/>
+            <a:ext cx="9053" cy="428451"/>
+          </a:xfrm>
+          <a:prstGeom prst="straightConnector1">
+            <a:avLst/>
+          </a:prstGeom>
+          <a:ln w="63500">
+            <a:solidFill>
+              <a:schemeClr val="tx1"/>
+            </a:solidFill>
+            <a:tailEnd type="triangle" w="sm" len="sm"/>
+          </a:ln>
+        </p:spPr>
+        <p:style>
+          <a:lnRef idx="1">
+            <a:schemeClr val="accent1"/>
+          </a:lnRef>
+          <a:fillRef idx="0">
+            <a:schemeClr val="accent1"/>
+          </a:fillRef>
+          <a:effectRef idx="0">
+            <a:schemeClr val="accent1"/>
+          </a:effectRef>
+          <a:fontRef idx="minor">
+            <a:schemeClr val="tx1"/>
+          </a:fontRef>
+        </p:style>
+      </p:cxnSp>
+      <p:sp>
+        <p:nvSpPr>
+          <p:cNvPr id="58" name="사각형: 둥근 모서리 57">
+            <a:extLst>
+              <a:ext uri="{FF2B5EF4-FFF2-40B4-BE49-F238E27FC236}">
+                <a16:creationId xmlns:a16="http://schemas.microsoft.com/office/drawing/2014/main" id="{C4EB0448-8E8C-B59C-5A4F-08EDD0F3D3E1}"/>
+              </a:ext>
+            </a:extLst>
+          </p:cNvPr>
+          <p:cNvSpPr/>
+          <p:nvPr/>
+        </p:nvSpPr>
+        <p:spPr>
+          <a:xfrm>
+            <a:off x="9877329" y="930571"/>
+            <a:ext cx="1321806" cy="579422"/>
+          </a:xfrm>
+          <a:prstGeom prst="roundRect">
+            <a:avLst/>
+          </a:prstGeom>
+          <a:solidFill>
+            <a:srgbClr val="C00000"/>
+          </a:solidFill>
+        </p:spPr>
+        <p:style>
+          <a:lnRef idx="3">
+            <a:schemeClr val="lt1"/>
+          </a:lnRef>
+          <a:fillRef idx="1">
+            <a:schemeClr val="accent5"/>
+          </a:fillRef>
+          <a:effectRef idx="1">
+            <a:schemeClr val="accent5"/>
+          </a:effectRef>
+          <a:fontRef idx="minor">
+            <a:schemeClr val="lt1"/>
+          </a:fontRef>
+        </p:style>
+        <p:txBody>
+          <a:bodyPr rtlCol="0" anchor="ctr"/>
+          <a:lstStyle/>
+          <a:p>
+            <a:pPr algn="ctr"/>
+            <a:r>
+              <a:rPr lang="en-US" altLang="ko-KR" dirty="0"/>
+              <a:t>Delete</a:t>
+            </a:r>
+            <a:endParaRPr lang="ko-KR" altLang="en-US" dirty="0"/>
+          </a:p>
+        </p:txBody>
+      </p:sp>
+      <p:cxnSp>
+        <p:nvCxnSpPr>
+          <p:cNvPr id="59" name="직선 화살표 연결선 58">
+            <a:extLst>
+              <a:ext uri="{FF2B5EF4-FFF2-40B4-BE49-F238E27FC236}">
+                <a16:creationId xmlns:a16="http://schemas.microsoft.com/office/drawing/2014/main" id="{BF9D578C-FA8A-2814-C822-5F38723FD789}"/>
+              </a:ext>
+            </a:extLst>
+          </p:cNvPr>
+          <p:cNvCxnSpPr>
+            <a:cxnSpLocks/>
+            <a:stCxn id="54" idx="0"/>
+            <a:endCxn id="58" idx="2"/>
+          </p:cNvCxnSpPr>
+          <p:nvPr/>
+        </p:nvCxnSpPr>
+        <p:spPr>
+          <a:xfrm flipV="1">
+            <a:off x="10538232" y="1509993"/>
+            <a:ext cx="0" cy="428451"/>
+          </a:xfrm>
+          <a:prstGeom prst="straightConnector1">
+            <a:avLst/>
+          </a:prstGeom>
+          <a:ln w="63500">
+            <a:solidFill>
+              <a:schemeClr val="tx1"/>
+            </a:solidFill>
+            <a:headEnd type="triangle" w="sm" len="sm"/>
+            <a:tailEnd type="triangle" w="sm" len="sm"/>
+          </a:ln>
+        </p:spPr>
+        <p:style>
+          <a:lnRef idx="1">
+            <a:schemeClr val="accent1"/>
+          </a:lnRef>
+          <a:fillRef idx="0">
+            <a:schemeClr val="accent1"/>
+          </a:fillRef>
+          <a:effectRef idx="0">
+            <a:schemeClr val="accent1"/>
+          </a:effectRef>
+          <a:fontRef idx="minor">
+            <a:schemeClr val="tx1"/>
+          </a:fontRef>
+        </p:style>
+      </p:cxnSp>
+    </p:spTree>
+    <p:extLst>
+      <p:ext uri="{BB962C8B-B14F-4D97-AF65-F5344CB8AC3E}">
+        <p14:creationId xmlns:p14="http://schemas.microsoft.com/office/powerpoint/2010/main" val="1112996910"/>
+      </p:ext>
+    </p:extLst>
+  </p:cSld>
+  <p:clrMapOvr>
+    <a:masterClrMapping/>
+  </p:clrMapOvr>
+</p:sld>
+</file>
+
+<file path=ppt/slides/slide3.xml><?xml version="1.0" encoding="utf-8"?>
+<p:sld xmlns:a="http://schemas.openxmlformats.org/drawingml/2006/main" xmlns:r="http://schemas.openxmlformats.org/officeDocument/2006/relationships" xmlns:p="http://schemas.openxmlformats.org/presentationml/2006/main">
+  <p:cSld>
+    <p:spTree>
+      <p:nvGrpSpPr>
+        <p:cNvPr id="1" name=""/>
+        <p:cNvGrpSpPr/>
+        <p:nvPr/>
+      </p:nvGrpSpPr>
+      <p:grpSpPr>
+        <a:xfrm>
+          <a:off x="0" y="0"/>
+          <a:ext cx="0" cy="0"/>
+          <a:chOff x="0" y="0"/>
+          <a:chExt cx="0" cy="0"/>
+        </a:xfrm>
+      </p:grpSpPr>
+      <p:sp>
+        <p:nvSpPr>
+          <p:cNvPr id="2" name="사각형: 둥근 모서리 1">
+            <a:extLst>
+              <a:ext uri="{FF2B5EF4-FFF2-40B4-BE49-F238E27FC236}">
+                <a16:creationId xmlns:a16="http://schemas.microsoft.com/office/drawing/2014/main" id="{5C5BFFFD-B167-F4D7-B896-6EF975087E6E}"/>
+              </a:ext>
+            </a:extLst>
+          </p:cNvPr>
+          <p:cNvSpPr/>
+          <p:nvPr/>
+        </p:nvSpPr>
+        <p:spPr>
+          <a:xfrm>
+            <a:off x="1937441" y="1837847"/>
+            <a:ext cx="1321806" cy="579422"/>
+          </a:xfrm>
+          <a:prstGeom prst="roundRect">
+            <a:avLst/>
+          </a:prstGeom>
+        </p:spPr>
+        <p:style>
+          <a:lnRef idx="3">
+            <a:schemeClr val="lt1"/>
+          </a:lnRef>
+          <a:fillRef idx="1">
+            <a:schemeClr val="accent5"/>
+          </a:fillRef>
+          <a:effectRef idx="1">
+            <a:schemeClr val="accent5"/>
+          </a:effectRef>
+          <a:fontRef idx="minor">
+            <a:schemeClr val="lt1"/>
+          </a:fontRef>
+        </p:style>
+        <p:txBody>
+          <a:bodyPr rtlCol="0" anchor="ctr"/>
+          <a:lstStyle/>
+          <a:p>
+            <a:pPr algn="ctr"/>
+            <a:r>
+              <a:rPr lang="en-US" altLang="ko-KR" dirty="0"/>
+              <a:t>Main</a:t>
+            </a:r>
+            <a:endParaRPr lang="ko-KR" altLang="en-US" dirty="0"/>
+          </a:p>
+        </p:txBody>
+      </p:sp>
+      <p:sp>
+        <p:nvSpPr>
+          <p:cNvPr id="3" name="사각형: 둥근 모서리 2">
+            <a:extLst>
+              <a:ext uri="{FF2B5EF4-FFF2-40B4-BE49-F238E27FC236}">
+                <a16:creationId xmlns:a16="http://schemas.microsoft.com/office/drawing/2014/main" id="{BC9AEB18-C410-B838-F728-0A726BFEE037}"/>
+              </a:ext>
+            </a:extLst>
+          </p:cNvPr>
+          <p:cNvSpPr/>
+          <p:nvPr/>
+        </p:nvSpPr>
+        <p:spPr>
+          <a:xfrm>
+            <a:off x="1937441" y="3628168"/>
+            <a:ext cx="1321806" cy="579422"/>
+          </a:xfrm>
+          <a:prstGeom prst="roundRect">
+            <a:avLst/>
+          </a:prstGeom>
+          <a:solidFill>
+            <a:schemeClr val="accent2"/>
+          </a:solidFill>
+        </p:spPr>
+        <p:style>
+          <a:lnRef idx="3">
+            <a:schemeClr val="lt1"/>
+          </a:lnRef>
+          <a:fillRef idx="1">
+            <a:schemeClr val="accent5"/>
+          </a:fillRef>
+          <a:effectRef idx="1">
+            <a:schemeClr val="accent5"/>
+          </a:effectRef>
+          <a:fontRef idx="minor">
+            <a:schemeClr val="lt1"/>
+          </a:fontRef>
+        </p:style>
+        <p:txBody>
+          <a:bodyPr rtlCol="0" anchor="ctr"/>
+          <a:lstStyle/>
+          <a:p>
+            <a:pPr algn="ctr"/>
+            <a:r>
+              <a:rPr lang="en-US" altLang="ko-KR" dirty="0"/>
+              <a:t>List</a:t>
+            </a:r>
+            <a:endParaRPr lang="ko-KR" altLang="en-US" dirty="0"/>
+          </a:p>
+        </p:txBody>
+      </p:sp>
+      <p:sp>
+        <p:nvSpPr>
+          <p:cNvPr id="5" name="사각형: 둥근 모서리 4">
+            <a:extLst>
+              <a:ext uri="{FF2B5EF4-FFF2-40B4-BE49-F238E27FC236}">
+                <a16:creationId xmlns:a16="http://schemas.microsoft.com/office/drawing/2014/main" id="{B40575E0-5482-44CF-EEDD-54B70362CD90}"/>
+              </a:ext>
+            </a:extLst>
+          </p:cNvPr>
+          <p:cNvSpPr/>
+          <p:nvPr/>
+        </p:nvSpPr>
+        <p:spPr>
+          <a:xfrm>
+            <a:off x="5435097" y="1837847"/>
+            <a:ext cx="1321806" cy="579422"/>
+          </a:xfrm>
+          <a:prstGeom prst="roundRect">
+            <a:avLst/>
+          </a:prstGeom>
+          <a:solidFill>
+            <a:schemeClr val="accent2"/>
+          </a:solidFill>
+        </p:spPr>
+        <p:style>
+          <a:lnRef idx="3">
+            <a:schemeClr val="lt1"/>
+          </a:lnRef>
+          <a:fillRef idx="1">
+            <a:schemeClr val="accent5"/>
+          </a:fillRef>
+          <a:effectRef idx="1">
+            <a:schemeClr val="accent5"/>
+          </a:effectRef>
+          <a:fontRef idx="minor">
+            <a:schemeClr val="lt1"/>
+          </a:fontRef>
+        </p:style>
+        <p:txBody>
+          <a:bodyPr rtlCol="0" anchor="ctr"/>
+          <a:lstStyle/>
+          <a:p>
+            <a:pPr algn="ctr"/>
+            <a:r>
+              <a:rPr lang="en-US" altLang="ko-KR" dirty="0"/>
+              <a:t>History</a:t>
+            </a:r>
+            <a:endParaRPr lang="ko-KR" altLang="en-US" dirty="0"/>
+          </a:p>
+        </p:txBody>
+      </p:sp>
+      <p:sp>
+        <p:nvSpPr>
+          <p:cNvPr id="7" name="사각형: 둥근 모서리 6">
+            <a:extLst>
+              <a:ext uri="{FF2B5EF4-FFF2-40B4-BE49-F238E27FC236}">
+                <a16:creationId xmlns:a16="http://schemas.microsoft.com/office/drawing/2014/main" id="{AA7164DE-B063-B786-6748-2F391768C6CA}"/>
+              </a:ext>
+            </a:extLst>
+          </p:cNvPr>
+          <p:cNvSpPr/>
+          <p:nvPr/>
+        </p:nvSpPr>
+        <p:spPr>
+          <a:xfrm>
+            <a:off x="1849169" y="5418489"/>
+            <a:ext cx="1519474" cy="579422"/>
+          </a:xfrm>
+          <a:prstGeom prst="roundRect">
+            <a:avLst/>
+          </a:prstGeom>
+          <a:solidFill>
+            <a:schemeClr val="accent2"/>
+          </a:solidFill>
+        </p:spPr>
+        <p:style>
+          <a:lnRef idx="3">
+            <a:schemeClr val="lt1"/>
+          </a:lnRef>
+          <a:fillRef idx="1">
+            <a:schemeClr val="accent5"/>
+          </a:fillRef>
+          <a:effectRef idx="1">
+            <a:schemeClr val="accent5"/>
+          </a:effectRef>
+          <a:fontRef idx="minor">
+            <a:schemeClr val="lt1"/>
+          </a:fontRef>
+        </p:style>
+        <p:txBody>
+          <a:bodyPr rtlCol="0" anchor="ctr"/>
+          <a:lstStyle/>
+          <a:p>
+            <a:pPr algn="ctr"/>
+            <a:r>
+              <a:rPr lang="en-US" altLang="ko-KR" dirty="0" err="1"/>
+              <a:t>RoomDelete</a:t>
+            </a:r>
+            <a:endParaRPr lang="ko-KR" altLang="en-US" dirty="0"/>
+          </a:p>
+        </p:txBody>
+      </p:sp>
+      <p:cxnSp>
+        <p:nvCxnSpPr>
           <p:cNvPr id="18" name="직선 화살표 연결선 17">
             <a:extLst>
               <a:ext uri="{FF2B5EF4-FFF2-40B4-BE49-F238E27FC236}">
@@ -4700,13 +5495,14 @@
           <p:cNvCxnSpPr>
             <a:cxnSpLocks/>
             <a:stCxn id="3" idx="2"/>
+            <a:endCxn id="7" idx="0"/>
           </p:cNvCxnSpPr>
           <p:nvPr/>
         </p:nvCxnSpPr>
         <p:spPr>
           <a:xfrm>
             <a:off x="2598344" y="4207590"/>
-            <a:ext cx="10562" cy="1210898"/>
+            <a:ext cx="10562" cy="1210899"/>
           </a:xfrm>
           <a:prstGeom prst="straightConnector1">
             <a:avLst/>
@@ -4750,9 +5546,9 @@
           <p:nvPr/>
         </p:nvCxnSpPr>
         <p:spPr>
-          <a:xfrm>
-            <a:off x="3259247" y="3917879"/>
-            <a:ext cx="2710004" cy="0"/>
+          <a:xfrm flipV="1">
+            <a:off x="3259247" y="2127558"/>
+            <a:ext cx="2175850" cy="1790321"/>
           </a:xfrm>
           <a:prstGeom prst="straightConnector1">
             <a:avLst/>
@@ -4761,348 +5557,6 @@
             <a:solidFill>
               <a:schemeClr val="tx1"/>
             </a:solidFill>
-            <a:tailEnd type="triangle" w="sm" len="sm"/>
-          </a:ln>
-        </p:spPr>
-        <p:style>
-          <a:lnRef idx="1">
-            <a:schemeClr val="accent1"/>
-          </a:lnRef>
-          <a:fillRef idx="0">
-            <a:schemeClr val="accent1"/>
-          </a:fillRef>
-          <a:effectRef idx="0">
-            <a:schemeClr val="accent1"/>
-          </a:effectRef>
-          <a:fontRef idx="minor">
-            <a:schemeClr val="tx1"/>
-          </a:fontRef>
-        </p:style>
-      </p:cxnSp>
-      <p:sp>
-        <p:nvSpPr>
-          <p:cNvPr id="24" name="사각형: 둥근 모서리 23">
-            <a:extLst>
-              <a:ext uri="{FF2B5EF4-FFF2-40B4-BE49-F238E27FC236}">
-                <a16:creationId xmlns:a16="http://schemas.microsoft.com/office/drawing/2014/main" id="{A57D72A5-CE3C-0BD3-5094-2D41286E77DF}"/>
-              </a:ext>
-            </a:extLst>
-          </p:cNvPr>
-          <p:cNvSpPr/>
-          <p:nvPr/>
-        </p:nvSpPr>
-        <p:spPr>
-          <a:xfrm>
-            <a:off x="10001061" y="1416295"/>
-            <a:ext cx="1321806" cy="579422"/>
-          </a:xfrm>
-          <a:prstGeom prst="roundRect">
-            <a:avLst/>
-          </a:prstGeom>
-          <a:solidFill>
-            <a:schemeClr val="accent3"/>
-          </a:solidFill>
-        </p:spPr>
-        <p:style>
-          <a:lnRef idx="3">
-            <a:schemeClr val="lt1"/>
-          </a:lnRef>
-          <a:fillRef idx="1">
-            <a:schemeClr val="accent5"/>
-          </a:fillRef>
-          <a:effectRef idx="1">
-            <a:schemeClr val="accent5"/>
-          </a:effectRef>
-          <a:fontRef idx="minor">
-            <a:schemeClr val="lt1"/>
-          </a:fontRef>
-        </p:style>
-        <p:txBody>
-          <a:bodyPr rtlCol="0" anchor="ctr"/>
-          <a:lstStyle/>
-          <a:p>
-            <a:pPr algn="ctr"/>
-            <a:r>
-              <a:rPr lang="ko-KR" altLang="en-US" dirty="0"/>
-              <a:t>주문관리</a:t>
-            </a:r>
-          </a:p>
-        </p:txBody>
-      </p:sp>
-      <p:cxnSp>
-        <p:nvCxnSpPr>
-          <p:cNvPr id="26" name="직선 화살표 연결선 25">
-            <a:extLst>
-              <a:ext uri="{FF2B5EF4-FFF2-40B4-BE49-F238E27FC236}">
-                <a16:creationId xmlns:a16="http://schemas.microsoft.com/office/drawing/2014/main" id="{2F5A4BE0-4C5C-0F08-CDE2-9321A03227E1}"/>
-              </a:ext>
-            </a:extLst>
-          </p:cNvPr>
-          <p:cNvCxnSpPr>
-            <a:stCxn id="9" idx="3"/>
-            <a:endCxn id="24" idx="1"/>
-          </p:cNvCxnSpPr>
-          <p:nvPr/>
-        </p:nvCxnSpPr>
-        <p:spPr>
-          <a:xfrm>
-            <a:off x="7618491" y="1416295"/>
-            <a:ext cx="2382570" cy="289711"/>
-          </a:xfrm>
-          <a:prstGeom prst="straightConnector1">
-            <a:avLst/>
-          </a:prstGeom>
-          <a:ln w="63500">
-            <a:solidFill>
-              <a:schemeClr val="accent6">
-                <a:lumMod val="75000"/>
-              </a:schemeClr>
-            </a:solidFill>
-            <a:tailEnd type="triangle" w="sm" len="sm"/>
-          </a:ln>
-        </p:spPr>
-        <p:style>
-          <a:lnRef idx="1">
-            <a:schemeClr val="accent1"/>
-          </a:lnRef>
-          <a:fillRef idx="0">
-            <a:schemeClr val="accent1"/>
-          </a:fillRef>
-          <a:effectRef idx="0">
-            <a:schemeClr val="accent1"/>
-          </a:effectRef>
-          <a:fontRef idx="minor">
-            <a:schemeClr val="tx1"/>
-          </a:fontRef>
-        </p:style>
-      </p:cxnSp>
-      <p:cxnSp>
-        <p:nvCxnSpPr>
-          <p:cNvPr id="27" name="직선 화살표 연결선 26">
-            <a:extLst>
-              <a:ext uri="{FF2B5EF4-FFF2-40B4-BE49-F238E27FC236}">
-                <a16:creationId xmlns:a16="http://schemas.microsoft.com/office/drawing/2014/main" id="{145DC7AD-E0BA-CFC2-7293-4926782BE709}"/>
-              </a:ext>
-            </a:extLst>
-          </p:cNvPr>
-          <p:cNvCxnSpPr>
-            <a:cxnSpLocks/>
-            <a:stCxn id="10" idx="3"/>
-            <a:endCxn id="24" idx="1"/>
-          </p:cNvCxnSpPr>
-          <p:nvPr/>
-        </p:nvCxnSpPr>
-        <p:spPr>
-          <a:xfrm flipV="1">
-            <a:off x="7618491" y="1706006"/>
-            <a:ext cx="2382570" cy="289711"/>
-          </a:xfrm>
-          <a:prstGeom prst="straightConnector1">
-            <a:avLst/>
-          </a:prstGeom>
-          <a:ln w="63500">
-            <a:solidFill>
-              <a:schemeClr val="accent6">
-                <a:lumMod val="75000"/>
-              </a:schemeClr>
-            </a:solidFill>
-            <a:tailEnd type="triangle" w="sm" len="sm"/>
-          </a:ln>
-        </p:spPr>
-        <p:style>
-          <a:lnRef idx="1">
-            <a:schemeClr val="accent1"/>
-          </a:lnRef>
-          <a:fillRef idx="0">
-            <a:schemeClr val="accent1"/>
-          </a:fillRef>
-          <a:effectRef idx="0">
-            <a:schemeClr val="accent1"/>
-          </a:effectRef>
-          <a:fontRef idx="minor">
-            <a:schemeClr val="tx1"/>
-          </a:fontRef>
-        </p:style>
-      </p:cxnSp>
-      <p:sp>
-        <p:nvSpPr>
-          <p:cNvPr id="30" name="사각형: 둥근 모서리 29">
-            <a:extLst>
-              <a:ext uri="{FF2B5EF4-FFF2-40B4-BE49-F238E27FC236}">
-                <a16:creationId xmlns:a16="http://schemas.microsoft.com/office/drawing/2014/main" id="{D7D6C328-750A-443C-6920-F5FB45D3E4E8}"/>
-              </a:ext>
-            </a:extLst>
-          </p:cNvPr>
-          <p:cNvSpPr/>
-          <p:nvPr/>
-        </p:nvSpPr>
-        <p:spPr>
-          <a:xfrm>
-            <a:off x="8134536" y="1273985"/>
-            <a:ext cx="1321806" cy="864041"/>
-          </a:xfrm>
-          <a:prstGeom prst="roundRect">
-            <a:avLst/>
-          </a:prstGeom>
-          <a:solidFill>
-            <a:schemeClr val="dk1">
-              <a:alpha val="50000"/>
-            </a:schemeClr>
-          </a:solidFill>
-          <a:ln>
-            <a:noFill/>
-          </a:ln>
-        </p:spPr>
-        <p:style>
-          <a:lnRef idx="0">
-            <a:scrgbClr r="0" g="0" b="0"/>
-          </a:lnRef>
-          <a:fillRef idx="0">
-            <a:scrgbClr r="0" g="0" b="0"/>
-          </a:fillRef>
-          <a:effectRef idx="0">
-            <a:scrgbClr r="0" g="0" b="0"/>
-          </a:effectRef>
-          <a:fontRef idx="minor">
-            <a:schemeClr val="lt1"/>
-          </a:fontRef>
-        </p:style>
-        <p:txBody>
-          <a:bodyPr rtlCol="0" anchor="ctr"/>
-          <a:lstStyle/>
-          <a:p>
-            <a:pPr algn="ctr"/>
-            <a:r>
-              <a:rPr lang="ko-KR" altLang="en-US" dirty="0"/>
-              <a:t>주문내역 확인</a:t>
-            </a:r>
-          </a:p>
-        </p:txBody>
-      </p:sp>
-      <p:sp>
-        <p:nvSpPr>
-          <p:cNvPr id="31" name="사각형: 둥근 모서리 30">
-            <a:extLst>
-              <a:ext uri="{FF2B5EF4-FFF2-40B4-BE49-F238E27FC236}">
-                <a16:creationId xmlns:a16="http://schemas.microsoft.com/office/drawing/2014/main" id="{D311EF6A-4620-B234-B829-03E9B882018A}"/>
-              </a:ext>
-            </a:extLst>
-          </p:cNvPr>
-          <p:cNvSpPr/>
-          <p:nvPr/>
-        </p:nvSpPr>
-        <p:spPr>
-          <a:xfrm>
-            <a:off x="9893929" y="2285430"/>
-            <a:ext cx="1536070" cy="579422"/>
-          </a:xfrm>
-          <a:prstGeom prst="roundRect">
-            <a:avLst/>
-          </a:prstGeom>
-          <a:solidFill>
-            <a:srgbClr val="00B0F0"/>
-          </a:solidFill>
-        </p:spPr>
-        <p:style>
-          <a:lnRef idx="3">
-            <a:schemeClr val="lt1"/>
-          </a:lnRef>
-          <a:fillRef idx="1">
-            <a:schemeClr val="accent5"/>
-          </a:fillRef>
-          <a:effectRef idx="1">
-            <a:schemeClr val="accent5"/>
-          </a:effectRef>
-          <a:fontRef idx="minor">
-            <a:schemeClr val="lt1"/>
-          </a:fontRef>
-        </p:style>
-        <p:txBody>
-          <a:bodyPr rtlCol="0" anchor="ctr"/>
-          <a:lstStyle/>
-          <a:p>
-            <a:pPr algn="ctr"/>
-            <a:r>
-              <a:rPr lang="ko-KR" altLang="en-US" dirty="0"/>
-              <a:t>이벤트 목록</a:t>
-            </a:r>
-          </a:p>
-        </p:txBody>
-      </p:sp>
-      <p:cxnSp>
-        <p:nvCxnSpPr>
-          <p:cNvPr id="32" name="직선 화살표 연결선 31">
-            <a:extLst>
-              <a:ext uri="{FF2B5EF4-FFF2-40B4-BE49-F238E27FC236}">
-                <a16:creationId xmlns:a16="http://schemas.microsoft.com/office/drawing/2014/main" id="{AED23561-A900-96BC-898F-8DE17786578B}"/>
-              </a:ext>
-            </a:extLst>
-          </p:cNvPr>
-          <p:cNvCxnSpPr>
-            <a:cxnSpLocks/>
-            <a:stCxn id="11" idx="3"/>
-          </p:cNvCxnSpPr>
-          <p:nvPr/>
-        </p:nvCxnSpPr>
-        <p:spPr>
-          <a:xfrm flipV="1">
-            <a:off x="7211839" y="2571367"/>
-            <a:ext cx="2682090" cy="3772"/>
-          </a:xfrm>
-          <a:prstGeom prst="straightConnector1">
-            <a:avLst/>
-          </a:prstGeom>
-          <a:ln w="63500">
-            <a:solidFill>
-              <a:schemeClr val="tx1"/>
-            </a:solidFill>
-            <a:tailEnd type="triangle" w="sm" len="sm"/>
-          </a:ln>
-        </p:spPr>
-        <p:style>
-          <a:lnRef idx="1">
-            <a:schemeClr val="accent1"/>
-          </a:lnRef>
-          <a:fillRef idx="0">
-            <a:schemeClr val="accent1"/>
-          </a:fillRef>
-          <a:effectRef idx="0">
-            <a:schemeClr val="accent1"/>
-          </a:effectRef>
-          <a:fontRef idx="minor">
-            <a:schemeClr val="tx1"/>
-          </a:fontRef>
-        </p:style>
-      </p:cxnSp>
-      <p:cxnSp>
-        <p:nvCxnSpPr>
-          <p:cNvPr id="35" name="직선 화살표 연결선 34">
-            <a:extLst>
-              <a:ext uri="{FF2B5EF4-FFF2-40B4-BE49-F238E27FC236}">
-                <a16:creationId xmlns:a16="http://schemas.microsoft.com/office/drawing/2014/main" id="{960A51FC-CB87-48FC-946E-D946521D3EF4}"/>
-              </a:ext>
-            </a:extLst>
-          </p:cNvPr>
-          <p:cNvCxnSpPr>
-            <a:cxnSpLocks/>
-            <a:stCxn id="8" idx="3"/>
-            <a:endCxn id="6" idx="1"/>
-          </p:cNvCxnSpPr>
-          <p:nvPr/>
-        </p:nvCxnSpPr>
-        <p:spPr>
-          <a:xfrm flipV="1">
-            <a:off x="7291057" y="3917879"/>
-            <a:ext cx="2710004" cy="1790321"/>
-          </a:xfrm>
-          <a:prstGeom prst="straightConnector1">
-            <a:avLst/>
-          </a:prstGeom>
-          <a:ln w="63500">
-            <a:solidFill>
-              <a:srgbClr val="7030A0"/>
-            </a:solidFill>
-            <a:headEnd type="triangle" w="sm" len="sm"/>
             <a:tailEnd type="triangle" w="sm" len="sm"/>
           </a:ln>
         </p:spPr>
@@ -5182,7 +5636,7 @@
         <p:spPr>
           <a:xfrm>
             <a:off x="706170" y="624681"/>
-            <a:ext cx="1231271" cy="497940"/>
+            <a:ext cx="1976674" cy="497940"/>
           </a:xfrm>
           <a:prstGeom prst="rect">
             <a:avLst/>
@@ -5213,17 +5667,457 @@
           <a:p>
             <a:pPr algn="ctr"/>
             <a:r>
-              <a:rPr lang="ko-KR" altLang="en-US"/>
+              <a:rPr lang="ko-KR" altLang="en-US" dirty="0" err="1"/>
               <a:t>상담챗봇</a:t>
             </a:r>
+            <a:r>
+              <a:rPr lang="en-US" altLang="ko-KR" dirty="0"/>
+              <a:t>-</a:t>
+            </a:r>
+            <a:r>
+              <a:rPr lang="ko-KR" altLang="en-US" dirty="0"/>
+              <a:t>관리자</a:t>
+            </a:r>
+          </a:p>
+        </p:txBody>
+      </p:sp>
+      <p:sp>
+        <p:nvSpPr>
+          <p:cNvPr id="15" name="사각형: 둥근 모서리 14">
+            <a:extLst>
+              <a:ext uri="{FF2B5EF4-FFF2-40B4-BE49-F238E27FC236}">
+                <a16:creationId xmlns:a16="http://schemas.microsoft.com/office/drawing/2014/main" id="{585F42C4-5E3B-B8E2-80F0-EC3D05EFEE74}"/>
+              </a:ext>
+            </a:extLst>
+          </p:cNvPr>
+          <p:cNvSpPr/>
+          <p:nvPr/>
+        </p:nvSpPr>
+        <p:spPr>
+          <a:xfrm>
+            <a:off x="8932753" y="3644002"/>
+            <a:ext cx="1321806" cy="579422"/>
+          </a:xfrm>
+          <a:prstGeom prst="roundRect">
+            <a:avLst/>
+          </a:prstGeom>
+          <a:solidFill>
+            <a:schemeClr val="accent2"/>
+          </a:solidFill>
+        </p:spPr>
+        <p:style>
+          <a:lnRef idx="3">
+            <a:schemeClr val="lt1"/>
+          </a:lnRef>
+          <a:fillRef idx="1">
+            <a:schemeClr val="accent5"/>
+          </a:fillRef>
+          <a:effectRef idx="1">
+            <a:schemeClr val="accent5"/>
+          </a:effectRef>
+          <a:fontRef idx="minor">
+            <a:schemeClr val="lt1"/>
+          </a:fontRef>
+        </p:style>
+        <p:txBody>
+          <a:bodyPr rtlCol="0" anchor="ctr"/>
+          <a:lstStyle/>
+          <a:p>
+            <a:pPr algn="ctr"/>
+            <a:r>
+              <a:rPr lang="en-US" altLang="ko-KR" dirty="0" err="1"/>
+              <a:t>AddRoom</a:t>
+            </a:r>
+            <a:endParaRPr lang="en-US" altLang="ko-KR" dirty="0"/>
+          </a:p>
+        </p:txBody>
+      </p:sp>
+      <p:cxnSp>
+        <p:nvCxnSpPr>
+          <p:cNvPr id="19" name="직선 화살표 연결선 18">
+            <a:extLst>
+              <a:ext uri="{FF2B5EF4-FFF2-40B4-BE49-F238E27FC236}">
+                <a16:creationId xmlns:a16="http://schemas.microsoft.com/office/drawing/2014/main" id="{AE4648B7-780A-7EC8-0618-D59138D35DA7}"/>
+              </a:ext>
+            </a:extLst>
+          </p:cNvPr>
+          <p:cNvCxnSpPr>
+            <a:stCxn id="3" idx="3"/>
+            <a:endCxn id="15" idx="1"/>
+          </p:cNvCxnSpPr>
+          <p:nvPr/>
+        </p:nvCxnSpPr>
+        <p:spPr>
+          <a:xfrm>
+            <a:off x="3259247" y="3917879"/>
+            <a:ext cx="5673506" cy="15834"/>
+          </a:xfrm>
+          <a:prstGeom prst="straightConnector1">
+            <a:avLst/>
+          </a:prstGeom>
+          <a:ln w="63500">
+            <a:solidFill>
+              <a:schemeClr val="tx1"/>
+            </a:solidFill>
+            <a:tailEnd type="triangle" w="sm" len="sm"/>
+          </a:ln>
+        </p:spPr>
+        <p:style>
+          <a:lnRef idx="1">
+            <a:schemeClr val="accent1"/>
+          </a:lnRef>
+          <a:fillRef idx="0">
+            <a:schemeClr val="accent1"/>
+          </a:fillRef>
+          <a:effectRef idx="0">
+            <a:schemeClr val="accent1"/>
+          </a:effectRef>
+          <a:fontRef idx="minor">
+            <a:schemeClr val="tx1"/>
+          </a:fontRef>
+        </p:style>
+      </p:cxnSp>
+      <p:cxnSp>
+        <p:nvCxnSpPr>
+          <p:cNvPr id="23" name="직선 화살표 연결선 22">
+            <a:extLst>
+              <a:ext uri="{FF2B5EF4-FFF2-40B4-BE49-F238E27FC236}">
+                <a16:creationId xmlns:a16="http://schemas.microsoft.com/office/drawing/2014/main" id="{395CB758-E1A0-4276-5DD2-F63216EFA985}"/>
+              </a:ext>
+            </a:extLst>
+          </p:cNvPr>
+          <p:cNvCxnSpPr>
+            <a:cxnSpLocks/>
+            <a:stCxn id="15" idx="0"/>
+            <a:endCxn id="5" idx="3"/>
+          </p:cNvCxnSpPr>
+          <p:nvPr/>
+        </p:nvCxnSpPr>
+        <p:spPr>
+          <a:xfrm flipH="1" flipV="1">
+            <a:off x="6756903" y="2127558"/>
+            <a:ext cx="2836753" cy="1516444"/>
+          </a:xfrm>
+          <a:prstGeom prst="straightConnector1">
+            <a:avLst/>
+          </a:prstGeom>
+          <a:ln w="63500">
+            <a:solidFill>
+              <a:schemeClr val="tx1"/>
+            </a:solidFill>
+            <a:tailEnd type="triangle" w="sm" len="sm"/>
+          </a:ln>
+        </p:spPr>
+        <p:style>
+          <a:lnRef idx="1">
+            <a:schemeClr val="accent1"/>
+          </a:lnRef>
+          <a:fillRef idx="0">
+            <a:schemeClr val="accent1"/>
+          </a:fillRef>
+          <a:effectRef idx="0">
+            <a:schemeClr val="accent1"/>
+          </a:effectRef>
+          <a:fontRef idx="minor">
+            <a:schemeClr val="tx1"/>
+          </a:fontRef>
+        </p:style>
+      </p:cxnSp>
+      <p:cxnSp>
+        <p:nvCxnSpPr>
+          <p:cNvPr id="28" name="연결선: 구부러짐 27">
+            <a:extLst>
+              <a:ext uri="{FF2B5EF4-FFF2-40B4-BE49-F238E27FC236}">
+                <a16:creationId xmlns:a16="http://schemas.microsoft.com/office/drawing/2014/main" id="{7DB8524B-D84D-DD12-BE8C-640DC3857D9D}"/>
+              </a:ext>
+            </a:extLst>
+          </p:cNvPr>
+          <p:cNvCxnSpPr>
+            <a:cxnSpLocks/>
+            <a:stCxn id="5" idx="0"/>
+            <a:endCxn id="5" idx="3"/>
+          </p:cNvCxnSpPr>
+          <p:nvPr/>
+        </p:nvCxnSpPr>
+        <p:spPr>
+          <a:xfrm rot="16200000" flipH="1">
+            <a:off x="6281595" y="1652251"/>
+            <a:ext cx="289711" cy="660903"/>
+          </a:xfrm>
+          <a:prstGeom prst="curvedConnector4">
+            <a:avLst>
+              <a:gd name="adj1" fmla="val -138281"/>
+              <a:gd name="adj2" fmla="val 120891"/>
+            </a:avLst>
+          </a:prstGeom>
+          <a:ln w="63500">
+            <a:solidFill>
+              <a:srgbClr val="C00000"/>
+            </a:solidFill>
+            <a:tailEnd type="triangle" w="sm" len="sm"/>
+          </a:ln>
+        </p:spPr>
+        <p:style>
+          <a:lnRef idx="1">
+            <a:schemeClr val="accent1"/>
+          </a:lnRef>
+          <a:fillRef idx="0">
+            <a:schemeClr val="accent1"/>
+          </a:fillRef>
+          <a:effectRef idx="0">
+            <a:schemeClr val="accent1"/>
+          </a:effectRef>
+          <a:fontRef idx="minor">
+            <a:schemeClr val="tx1"/>
+          </a:fontRef>
+        </p:style>
+      </p:cxnSp>
+      <p:sp>
+        <p:nvSpPr>
+          <p:cNvPr id="41" name="사각형: 둥근 모서리 40">
+            <a:extLst>
+              <a:ext uri="{FF2B5EF4-FFF2-40B4-BE49-F238E27FC236}">
+                <a16:creationId xmlns:a16="http://schemas.microsoft.com/office/drawing/2014/main" id="{C2071917-3770-A73E-9BF0-79A80C5620FD}"/>
+              </a:ext>
+            </a:extLst>
+          </p:cNvPr>
+          <p:cNvSpPr/>
+          <p:nvPr/>
+        </p:nvSpPr>
+        <p:spPr>
+          <a:xfrm>
+            <a:off x="5435097" y="3644002"/>
+            <a:ext cx="1321806" cy="579422"/>
+          </a:xfrm>
+          <a:prstGeom prst="roundRect">
+            <a:avLst/>
+          </a:prstGeom>
+          <a:solidFill>
+            <a:srgbClr val="C00000"/>
+          </a:solidFill>
+        </p:spPr>
+        <p:style>
+          <a:lnRef idx="3">
+            <a:schemeClr val="lt1"/>
+          </a:lnRef>
+          <a:fillRef idx="1">
+            <a:schemeClr val="accent5"/>
+          </a:fillRef>
+          <a:effectRef idx="1">
+            <a:schemeClr val="accent5"/>
+          </a:effectRef>
+          <a:fontRef idx="minor">
+            <a:schemeClr val="lt1"/>
+          </a:fontRef>
+        </p:style>
+        <p:txBody>
+          <a:bodyPr rtlCol="0" anchor="ctr"/>
+          <a:lstStyle/>
+          <a:p>
+            <a:pPr algn="ctr"/>
+            <a:r>
+              <a:rPr lang="en-US" altLang="ko-KR" dirty="0"/>
+              <a:t>Search ID</a:t>
+            </a:r>
             <a:endParaRPr lang="ko-KR" altLang="en-US" dirty="0"/>
           </a:p>
         </p:txBody>
       </p:sp>
+      <p:sp>
+        <p:nvSpPr>
+          <p:cNvPr id="45" name="사각형: 둥근 모서리 44">
+            <a:extLst>
+              <a:ext uri="{FF2B5EF4-FFF2-40B4-BE49-F238E27FC236}">
+                <a16:creationId xmlns:a16="http://schemas.microsoft.com/office/drawing/2014/main" id="{A997BA2F-449E-5E48-8C3B-FF63D30B7763}"/>
+              </a:ext>
+            </a:extLst>
+          </p:cNvPr>
+          <p:cNvSpPr/>
+          <p:nvPr/>
+        </p:nvSpPr>
+        <p:spPr>
+          <a:xfrm>
+            <a:off x="8932753" y="1835576"/>
+            <a:ext cx="1321806" cy="579422"/>
+          </a:xfrm>
+          <a:prstGeom prst="roundRect">
+            <a:avLst/>
+          </a:prstGeom>
+          <a:solidFill>
+            <a:schemeClr val="accent2"/>
+          </a:solidFill>
+        </p:spPr>
+        <p:style>
+          <a:lnRef idx="3">
+            <a:schemeClr val="lt1"/>
+          </a:lnRef>
+          <a:fillRef idx="1">
+            <a:schemeClr val="accent5"/>
+          </a:fillRef>
+          <a:effectRef idx="1">
+            <a:schemeClr val="accent5"/>
+          </a:effectRef>
+          <a:fontRef idx="minor">
+            <a:schemeClr val="lt1"/>
+          </a:fontRef>
+        </p:style>
+        <p:txBody>
+          <a:bodyPr rtlCol="0" anchor="ctr"/>
+          <a:lstStyle/>
+          <a:p>
+            <a:pPr algn="ctr"/>
+            <a:r>
+              <a:rPr lang="en-US" altLang="ko-KR" dirty="0" err="1"/>
+              <a:t>Chating</a:t>
+            </a:r>
+            <a:endParaRPr lang="ko-KR" altLang="en-US" dirty="0"/>
+          </a:p>
+        </p:txBody>
+      </p:sp>
+      <p:cxnSp>
+        <p:nvCxnSpPr>
+          <p:cNvPr id="47" name="직선 화살표 연결선 46">
+            <a:extLst>
+              <a:ext uri="{FF2B5EF4-FFF2-40B4-BE49-F238E27FC236}">
+                <a16:creationId xmlns:a16="http://schemas.microsoft.com/office/drawing/2014/main" id="{F6C946D0-304A-91A9-1F37-2AB97397E572}"/>
+              </a:ext>
+            </a:extLst>
+          </p:cNvPr>
+          <p:cNvCxnSpPr>
+            <a:stCxn id="45" idx="1"/>
+            <a:endCxn id="5" idx="3"/>
+          </p:cNvCxnSpPr>
+          <p:nvPr/>
+        </p:nvCxnSpPr>
+        <p:spPr>
+          <a:xfrm flipH="1">
+            <a:off x="6756903" y="2125287"/>
+            <a:ext cx="2175850" cy="2271"/>
+          </a:xfrm>
+          <a:prstGeom prst="straightConnector1">
+            <a:avLst/>
+          </a:prstGeom>
+          <a:ln w="63500">
+            <a:solidFill>
+              <a:schemeClr val="tx1"/>
+            </a:solidFill>
+            <a:tailEnd type="triangle" w="sm" len="sm"/>
+          </a:ln>
+        </p:spPr>
+        <p:style>
+          <a:lnRef idx="1">
+            <a:schemeClr val="accent1"/>
+          </a:lnRef>
+          <a:fillRef idx="0">
+            <a:schemeClr val="accent1"/>
+          </a:fillRef>
+          <a:effectRef idx="0">
+            <a:schemeClr val="accent1"/>
+          </a:effectRef>
+          <a:fontRef idx="minor">
+            <a:schemeClr val="tx1"/>
+          </a:fontRef>
+        </p:style>
+      </p:cxnSp>
+      <p:sp>
+        <p:nvSpPr>
+          <p:cNvPr id="48" name="사각형: 둥근 모서리 47">
+            <a:extLst>
+              <a:ext uri="{FF2B5EF4-FFF2-40B4-BE49-F238E27FC236}">
+                <a16:creationId xmlns:a16="http://schemas.microsoft.com/office/drawing/2014/main" id="{55797F4D-2934-59E8-9870-1AA4D703D2A2}"/>
+              </a:ext>
+            </a:extLst>
+          </p:cNvPr>
+          <p:cNvSpPr/>
+          <p:nvPr/>
+        </p:nvSpPr>
+        <p:spPr>
+          <a:xfrm>
+            <a:off x="7183925" y="505849"/>
+            <a:ext cx="1321806" cy="579422"/>
+          </a:xfrm>
+          <a:prstGeom prst="roundRect">
+            <a:avLst/>
+          </a:prstGeom>
+          <a:solidFill>
+            <a:srgbClr val="C00000"/>
+          </a:solidFill>
+        </p:spPr>
+        <p:style>
+          <a:lnRef idx="3">
+            <a:schemeClr val="lt1"/>
+          </a:lnRef>
+          <a:fillRef idx="1">
+            <a:schemeClr val="accent5"/>
+          </a:fillRef>
+          <a:effectRef idx="1">
+            <a:schemeClr val="accent5"/>
+          </a:effectRef>
+          <a:fontRef idx="minor">
+            <a:schemeClr val="lt1"/>
+          </a:fontRef>
+        </p:style>
+        <p:txBody>
+          <a:bodyPr rtlCol="0" anchor="ctr"/>
+          <a:lstStyle/>
+          <a:p>
+            <a:pPr algn="ctr"/>
+            <a:r>
+              <a:rPr lang="en-US" altLang="ko-KR" dirty="0"/>
+              <a:t>Delete</a:t>
+            </a:r>
+          </a:p>
+        </p:txBody>
+      </p:sp>
+      <p:cxnSp>
+        <p:nvCxnSpPr>
+          <p:cNvPr id="50" name="직선 화살표 연결선 49">
+            <a:extLst>
+              <a:ext uri="{FF2B5EF4-FFF2-40B4-BE49-F238E27FC236}">
+                <a16:creationId xmlns:a16="http://schemas.microsoft.com/office/drawing/2014/main" id="{10B7CB1C-7796-4034-820E-3B4DF46AD869}"/>
+              </a:ext>
+            </a:extLst>
+          </p:cNvPr>
+          <p:cNvCxnSpPr>
+            <a:stCxn id="48" idx="1"/>
+            <a:endCxn id="5" idx="0"/>
+          </p:cNvCxnSpPr>
+          <p:nvPr/>
+        </p:nvCxnSpPr>
+        <p:spPr>
+          <a:xfrm flipH="1">
+            <a:off x="6096000" y="795560"/>
+            <a:ext cx="1087925" cy="1042287"/>
+          </a:xfrm>
+          <a:prstGeom prst="straightConnector1">
+            <a:avLst/>
+          </a:prstGeom>
+          <a:ln w="63500">
+            <a:solidFill>
+              <a:schemeClr val="tx1"/>
+            </a:solidFill>
+            <a:tailEnd type="triangle" w="sm" len="sm"/>
+          </a:ln>
+        </p:spPr>
+        <p:style>
+          <a:lnRef idx="1">
+            <a:schemeClr val="accent1"/>
+          </a:lnRef>
+          <a:fillRef idx="0">
+            <a:schemeClr val="accent1"/>
+          </a:fillRef>
+          <a:effectRef idx="0">
+            <a:schemeClr val="accent1"/>
+          </a:effectRef>
+          <a:fontRef idx="minor">
+            <a:schemeClr val="tx1"/>
+          </a:fontRef>
+        </p:style>
+      </p:cxnSp>
     </p:spTree>
     <p:extLst>
       <p:ext uri="{BB962C8B-B14F-4D97-AF65-F5344CB8AC3E}">
-        <p14:creationId xmlns:p14="http://schemas.microsoft.com/office/powerpoint/2010/main" val="1112996910"/>
+        <p14:creationId xmlns:p14="http://schemas.microsoft.com/office/powerpoint/2010/main" val="290779438"/>
       </p:ext>
     </p:extLst>
   </p:cSld>
